--- a/Libraries/_assets/splashimage.pptx
+++ b/Libraries/_assets/splashimage.pptx
@@ -3050,7 +3050,7 @@
       </p:pic>
       <p:sp>
         <p:nvSpPr>
-          <p:cNvPr id="2" name="TextBox 1"/>
+          <p:cNvPr id="6" name="TextBox 5"/>
           <p:cNvSpPr txBox="1"/>
           <p:nvPr/>
         </p:nvSpPr>
@@ -3127,31 +3127,9 @@
                                     <p:cond delay="0"/>
                                   </p:stCondLst>
                                   <p:childTnLst>
-                                    <p:animMotion origin="layout" path="M 0.01029 -0.00139 L 0 4.81481E-6 " pathEditMode="relative" rAng="0" ptsTypes="AA">
-                                      <p:cBhvr>
-                                        <p:cTn id="6" dur="30000" fill="hold"/>
-                                        <p:tgtEl>
-                                          <p:spTgt spid="4"/>
-                                        </p:tgtEl>
-                                        <p:attrNameLst>
-                                          <p:attrName>ppt_x</p:attrName>
-                                          <p:attrName>ppt_y</p:attrName>
-                                        </p:attrNameLst>
-                                      </p:cBhvr>
-                                      <p:rCtr x="-521" y="69"/>
-                                    </p:animMotion>
-                                  </p:childTnLst>
-                                </p:cTn>
-                              </p:par>
-                              <p:par>
-                                <p:cTn id="7" presetID="42" presetClass="path" presetSubtype="0" accel="50000" decel="50000" fill="hold" nodeType="withEffect">
-                                  <p:stCondLst>
-                                    <p:cond delay="0"/>
-                                  </p:stCondLst>
-                                  <p:childTnLst>
                                     <p:animMotion origin="layout" path="M -0.00768 0.22384 L -0.53815 0.21898 " pathEditMode="relative" rAng="0" ptsTypes="AA">
                                       <p:cBhvr>
-                                        <p:cTn id="8" dur="30000" fill="hold"/>
+                                        <p:cTn id="6" dur="59000" fill="hold"/>
                                         <p:tgtEl>
                                           <p:spTgt spid="5"/>
                                         </p:tgtEl>

--- a/Libraries/_assets/splashimage.pptx
+++ b/Libraries/_assets/splashimage.pptx
@@ -243,7 +243,7 @@
           <a:p>
             <a:fld id="{93B2AF06-22BE-43A3-B194-6DF8A5BC8DDA}" type="datetimeFigureOut">
               <a:rPr lang="en-US" smtClean="0"/>
-              <a:t>5/7/2015</a:t>
+              <a:t>5/8/2015</a:t>
             </a:fld>
             <a:endParaRPr lang="en-US"/>
           </a:p>
@@ -413,7 +413,7 @@
           <a:p>
             <a:fld id="{93B2AF06-22BE-43A3-B194-6DF8A5BC8DDA}" type="datetimeFigureOut">
               <a:rPr lang="en-US" smtClean="0"/>
-              <a:t>5/7/2015</a:t>
+              <a:t>5/8/2015</a:t>
             </a:fld>
             <a:endParaRPr lang="en-US"/>
           </a:p>
@@ -593,7 +593,7 @@
           <a:p>
             <a:fld id="{93B2AF06-22BE-43A3-B194-6DF8A5BC8DDA}" type="datetimeFigureOut">
               <a:rPr lang="en-US" smtClean="0"/>
-              <a:t>5/7/2015</a:t>
+              <a:t>5/8/2015</a:t>
             </a:fld>
             <a:endParaRPr lang="en-US"/>
           </a:p>
@@ -763,7 +763,7 @@
           <a:p>
             <a:fld id="{93B2AF06-22BE-43A3-B194-6DF8A5BC8DDA}" type="datetimeFigureOut">
               <a:rPr lang="en-US" smtClean="0"/>
-              <a:t>5/7/2015</a:t>
+              <a:t>5/8/2015</a:t>
             </a:fld>
             <a:endParaRPr lang="en-US"/>
           </a:p>
@@ -1009,7 +1009,7 @@
           <a:p>
             <a:fld id="{93B2AF06-22BE-43A3-B194-6DF8A5BC8DDA}" type="datetimeFigureOut">
               <a:rPr lang="en-US" smtClean="0"/>
-              <a:t>5/7/2015</a:t>
+              <a:t>5/8/2015</a:t>
             </a:fld>
             <a:endParaRPr lang="en-US"/>
           </a:p>
@@ -1241,7 +1241,7 @@
           <a:p>
             <a:fld id="{93B2AF06-22BE-43A3-B194-6DF8A5BC8DDA}" type="datetimeFigureOut">
               <a:rPr lang="en-US" smtClean="0"/>
-              <a:t>5/7/2015</a:t>
+              <a:t>5/8/2015</a:t>
             </a:fld>
             <a:endParaRPr lang="en-US"/>
           </a:p>
@@ -1608,7 +1608,7 @@
           <a:p>
             <a:fld id="{93B2AF06-22BE-43A3-B194-6DF8A5BC8DDA}" type="datetimeFigureOut">
               <a:rPr lang="en-US" smtClean="0"/>
-              <a:t>5/7/2015</a:t>
+              <a:t>5/8/2015</a:t>
             </a:fld>
             <a:endParaRPr lang="en-US"/>
           </a:p>
@@ -1726,7 +1726,7 @@
           <a:p>
             <a:fld id="{93B2AF06-22BE-43A3-B194-6DF8A5BC8DDA}" type="datetimeFigureOut">
               <a:rPr lang="en-US" smtClean="0"/>
-              <a:t>5/7/2015</a:t>
+              <a:t>5/8/2015</a:t>
             </a:fld>
             <a:endParaRPr lang="en-US"/>
           </a:p>
@@ -1821,7 +1821,7 @@
           <a:p>
             <a:fld id="{93B2AF06-22BE-43A3-B194-6DF8A5BC8DDA}" type="datetimeFigureOut">
               <a:rPr lang="en-US" smtClean="0"/>
-              <a:t>5/7/2015</a:t>
+              <a:t>5/8/2015</a:t>
             </a:fld>
             <a:endParaRPr lang="en-US"/>
           </a:p>
@@ -2098,7 +2098,7 @@
           <a:p>
             <a:fld id="{93B2AF06-22BE-43A3-B194-6DF8A5BC8DDA}" type="datetimeFigureOut">
               <a:rPr lang="en-US" smtClean="0"/>
-              <a:t>5/7/2015</a:t>
+              <a:t>5/8/2015</a:t>
             </a:fld>
             <a:endParaRPr lang="en-US"/>
           </a:p>
@@ -2351,7 +2351,7 @@
           <a:p>
             <a:fld id="{93B2AF06-22BE-43A3-B194-6DF8A5BC8DDA}" type="datetimeFigureOut">
               <a:rPr lang="en-US" smtClean="0"/>
-              <a:t>5/7/2015</a:t>
+              <a:t>5/8/2015</a:t>
             </a:fld>
             <a:endParaRPr lang="en-US"/>
           </a:p>
@@ -2564,7 +2564,7 @@
           <a:p>
             <a:fld id="{93B2AF06-22BE-43A3-B194-6DF8A5BC8DDA}" type="datetimeFigureOut">
               <a:rPr lang="en-US" smtClean="0"/>
-              <a:t>5/7/2015</a:t>
+              <a:t>5/8/2015</a:t>
             </a:fld>
             <a:endParaRPr lang="en-US"/>
           </a:p>
@@ -3122,7 +3122,7 @@
                             </p:stCondLst>
                             <p:childTnLst>
                               <p:par>
-                                <p:cTn id="5" presetID="42" presetClass="path" presetSubtype="0" accel="50000" decel="50000" fill="hold" nodeType="withEffect">
+                                <p:cTn id="5" presetID="42" presetClass="path" presetSubtype="0" accel="50000" decel="50000" autoRev="1" fill="hold" nodeType="withEffect">
                                   <p:stCondLst>
                                     <p:cond delay="0"/>
                                   </p:stCondLst>
